--- a/Java Programming_Arraylist,lists,and structured data/week2/week2_notes.pptx
+++ b/Java Programming_Arraylist,lists,and structured data/week2/week2_notes.pptx
@@ -107,6 +107,11 @@
       </a:defRPr>
     </a:lvl9pPr>
   </p:defaultTextStyle>
+  <p:extLst>
+    <p:ext uri="{EFAFB233-063F-42B5-8137-9DF3F51BA10A}">
+      <p15:sldGuideLst xmlns:p15="http://schemas.microsoft.com/office/powerpoint/2012/main"/>
+    </p:ext>
+  </p:extLst>
 </p:presentation>
 </file>
 
@@ -257,7 +262,7 @@
           <a:p>
             <a:fld id="{8998202F-3102-4507-B73F-6C1881C2A2FC}" type="datetimeFigureOut">
               <a:rPr lang="en-US" smtClean="0"/>
-              <a:t>9/5/2021</a:t>
+              <a:t>9/7/2021</a:t>
             </a:fld>
             <a:endParaRPr lang="en-US"/>
           </a:p>
@@ -455,7 +460,7 @@
           <a:p>
             <a:fld id="{8998202F-3102-4507-B73F-6C1881C2A2FC}" type="datetimeFigureOut">
               <a:rPr lang="en-US" smtClean="0"/>
-              <a:t>9/5/2021</a:t>
+              <a:t>9/7/2021</a:t>
             </a:fld>
             <a:endParaRPr lang="en-US"/>
           </a:p>
@@ -663,7 +668,7 @@
           <a:p>
             <a:fld id="{8998202F-3102-4507-B73F-6C1881C2A2FC}" type="datetimeFigureOut">
               <a:rPr lang="en-US" smtClean="0"/>
-              <a:t>9/5/2021</a:t>
+              <a:t>9/7/2021</a:t>
             </a:fld>
             <a:endParaRPr lang="en-US"/>
           </a:p>
@@ -861,7 +866,7 @@
           <a:p>
             <a:fld id="{8998202F-3102-4507-B73F-6C1881C2A2FC}" type="datetimeFigureOut">
               <a:rPr lang="en-US" smtClean="0"/>
-              <a:t>9/5/2021</a:t>
+              <a:t>9/7/2021</a:t>
             </a:fld>
             <a:endParaRPr lang="en-US"/>
           </a:p>
@@ -1136,7 +1141,7 @@
           <a:p>
             <a:fld id="{8998202F-3102-4507-B73F-6C1881C2A2FC}" type="datetimeFigureOut">
               <a:rPr lang="en-US" smtClean="0"/>
-              <a:t>9/5/2021</a:t>
+              <a:t>9/7/2021</a:t>
             </a:fld>
             <a:endParaRPr lang="en-US"/>
           </a:p>
@@ -1401,7 +1406,7 @@
           <a:p>
             <a:fld id="{8998202F-3102-4507-B73F-6C1881C2A2FC}" type="datetimeFigureOut">
               <a:rPr lang="en-US" smtClean="0"/>
-              <a:t>9/5/2021</a:t>
+              <a:t>9/7/2021</a:t>
             </a:fld>
             <a:endParaRPr lang="en-US"/>
           </a:p>
@@ -1813,7 +1818,7 @@
           <a:p>
             <a:fld id="{8998202F-3102-4507-B73F-6C1881C2A2FC}" type="datetimeFigureOut">
               <a:rPr lang="en-US" smtClean="0"/>
-              <a:t>9/5/2021</a:t>
+              <a:t>9/7/2021</a:t>
             </a:fld>
             <a:endParaRPr lang="en-US"/>
           </a:p>
@@ -1954,7 +1959,7 @@
           <a:p>
             <a:fld id="{8998202F-3102-4507-B73F-6C1881C2A2FC}" type="datetimeFigureOut">
               <a:rPr lang="en-US" smtClean="0"/>
-              <a:t>9/5/2021</a:t>
+              <a:t>9/7/2021</a:t>
             </a:fld>
             <a:endParaRPr lang="en-US"/>
           </a:p>
@@ -2067,7 +2072,7 @@
           <a:p>
             <a:fld id="{8998202F-3102-4507-B73F-6C1881C2A2FC}" type="datetimeFigureOut">
               <a:rPr lang="en-US" smtClean="0"/>
-              <a:t>9/5/2021</a:t>
+              <a:t>9/7/2021</a:t>
             </a:fld>
             <a:endParaRPr lang="en-US"/>
           </a:p>
@@ -2378,7 +2383,7 @@
           <a:p>
             <a:fld id="{8998202F-3102-4507-B73F-6C1881C2A2FC}" type="datetimeFigureOut">
               <a:rPr lang="en-US" smtClean="0"/>
-              <a:t>9/5/2021</a:t>
+              <a:t>9/7/2021</a:t>
             </a:fld>
             <a:endParaRPr lang="en-US"/>
           </a:p>
@@ -2666,7 +2671,7 @@
           <a:p>
             <a:fld id="{8998202F-3102-4507-B73F-6C1881C2A2FC}" type="datetimeFigureOut">
               <a:rPr lang="en-US" smtClean="0"/>
-              <a:t>9/5/2021</a:t>
+              <a:t>9/7/2021</a:t>
             </a:fld>
             <a:endParaRPr lang="en-US"/>
           </a:p>
@@ -2907,7 +2912,7 @@
           <a:p>
             <a:fld id="{8998202F-3102-4507-B73F-6C1881C2A2FC}" type="datetimeFigureOut">
               <a:rPr lang="en-US" smtClean="0"/>
-              <a:t>9/5/2021</a:t>
+              <a:t>9/7/2021</a:t>
             </a:fld>
             <a:endParaRPr lang="en-US"/>
           </a:p>

--- a/Java Programming_Arraylist,lists,and structured data/week2/week2_notes.pptx
+++ b/Java Programming_Arraylist,lists,and structured data/week2/week2_notes.pptx
@@ -262,7 +262,7 @@
           <a:p>
             <a:fld id="{8998202F-3102-4507-B73F-6C1881C2A2FC}" type="datetimeFigureOut">
               <a:rPr lang="en-US" smtClean="0"/>
-              <a:t>9/7/2021</a:t>
+              <a:t>9/9/2021</a:t>
             </a:fld>
             <a:endParaRPr lang="en-US"/>
           </a:p>
@@ -460,7 +460,7 @@
           <a:p>
             <a:fld id="{8998202F-3102-4507-B73F-6C1881C2A2FC}" type="datetimeFigureOut">
               <a:rPr lang="en-US" smtClean="0"/>
-              <a:t>9/7/2021</a:t>
+              <a:t>9/9/2021</a:t>
             </a:fld>
             <a:endParaRPr lang="en-US"/>
           </a:p>
@@ -668,7 +668,7 @@
           <a:p>
             <a:fld id="{8998202F-3102-4507-B73F-6C1881C2A2FC}" type="datetimeFigureOut">
               <a:rPr lang="en-US" smtClean="0"/>
-              <a:t>9/7/2021</a:t>
+              <a:t>9/9/2021</a:t>
             </a:fld>
             <a:endParaRPr lang="en-US"/>
           </a:p>
@@ -866,7 +866,7 @@
           <a:p>
             <a:fld id="{8998202F-3102-4507-B73F-6C1881C2A2FC}" type="datetimeFigureOut">
               <a:rPr lang="en-US" smtClean="0"/>
-              <a:t>9/7/2021</a:t>
+              <a:t>9/9/2021</a:t>
             </a:fld>
             <a:endParaRPr lang="en-US"/>
           </a:p>
@@ -1141,7 +1141,7 @@
           <a:p>
             <a:fld id="{8998202F-3102-4507-B73F-6C1881C2A2FC}" type="datetimeFigureOut">
               <a:rPr lang="en-US" smtClean="0"/>
-              <a:t>9/7/2021</a:t>
+              <a:t>9/9/2021</a:t>
             </a:fld>
             <a:endParaRPr lang="en-US"/>
           </a:p>
@@ -1406,7 +1406,7 @@
           <a:p>
             <a:fld id="{8998202F-3102-4507-B73F-6C1881C2A2FC}" type="datetimeFigureOut">
               <a:rPr lang="en-US" smtClean="0"/>
-              <a:t>9/7/2021</a:t>
+              <a:t>9/9/2021</a:t>
             </a:fld>
             <a:endParaRPr lang="en-US"/>
           </a:p>
@@ -1818,7 +1818,7 @@
           <a:p>
             <a:fld id="{8998202F-3102-4507-B73F-6C1881C2A2FC}" type="datetimeFigureOut">
               <a:rPr lang="en-US" smtClean="0"/>
-              <a:t>9/7/2021</a:t>
+              <a:t>9/9/2021</a:t>
             </a:fld>
             <a:endParaRPr lang="en-US"/>
           </a:p>
@@ -1959,7 +1959,7 @@
           <a:p>
             <a:fld id="{8998202F-3102-4507-B73F-6C1881C2A2FC}" type="datetimeFigureOut">
               <a:rPr lang="en-US" smtClean="0"/>
-              <a:t>9/7/2021</a:t>
+              <a:t>9/9/2021</a:t>
             </a:fld>
             <a:endParaRPr lang="en-US"/>
           </a:p>
@@ -2072,7 +2072,7 @@
           <a:p>
             <a:fld id="{8998202F-3102-4507-B73F-6C1881C2A2FC}" type="datetimeFigureOut">
               <a:rPr lang="en-US" smtClean="0"/>
-              <a:t>9/7/2021</a:t>
+              <a:t>9/9/2021</a:t>
             </a:fld>
             <a:endParaRPr lang="en-US"/>
           </a:p>
@@ -2383,7 +2383,7 @@
           <a:p>
             <a:fld id="{8998202F-3102-4507-B73F-6C1881C2A2FC}" type="datetimeFigureOut">
               <a:rPr lang="en-US" smtClean="0"/>
-              <a:t>9/7/2021</a:t>
+              <a:t>9/9/2021</a:t>
             </a:fld>
             <a:endParaRPr lang="en-US"/>
           </a:p>
@@ -2671,7 +2671,7 @@
           <a:p>
             <a:fld id="{8998202F-3102-4507-B73F-6C1881C2A2FC}" type="datetimeFigureOut">
               <a:rPr lang="en-US" smtClean="0"/>
-              <a:t>9/7/2021</a:t>
+              <a:t>9/9/2021</a:t>
             </a:fld>
             <a:endParaRPr lang="en-US"/>
           </a:p>
@@ -2912,7 +2912,7 @@
           <a:p>
             <a:fld id="{8998202F-3102-4507-B73F-6C1881C2A2FC}" type="datetimeFigureOut">
               <a:rPr lang="en-US" smtClean="0"/>
-              <a:t>9/7/2021</a:t>
+              <a:t>9/9/2021</a:t>
             </a:fld>
             <a:endParaRPr lang="en-US"/>
           </a:p>
@@ -3705,7 +3705,11 @@
           <a:bodyPr/>
           <a:lstStyle/>
           <a:p>
-            <a:endParaRPr lang="en-US"/>
+            <a:r>
+              <a:rPr lang="en-US" dirty="0" err="1"/>
+              <a:t>Hashmap</a:t>
+            </a:r>
+            <a:endParaRPr lang="en-US" dirty="0"/>
           </a:p>
         </p:txBody>
       </p:sp>
@@ -3730,10 +3734,46 @@
           <a:bodyPr/>
           <a:lstStyle/>
           <a:p>
-            <a:endParaRPr lang="en-US"/>
-          </a:p>
-        </p:txBody>
-      </p:sp>
+            <a:r>
+              <a:rPr lang="en-US" dirty="0"/>
+              <a:t>Class which associate keys with value</a:t>
+            </a:r>
+          </a:p>
+          <a:p>
+            <a:endParaRPr lang="en-US" dirty="0"/>
+          </a:p>
+        </p:txBody>
+      </p:sp>
+      <p:pic>
+        <p:nvPicPr>
+          <p:cNvPr id="5" name="Picture 4">
+            <a:extLst>
+              <a:ext uri="{FF2B5EF4-FFF2-40B4-BE49-F238E27FC236}">
+                <a16:creationId xmlns:a16="http://schemas.microsoft.com/office/drawing/2014/main" id="{4D3FCA6A-060D-4633-B631-E10C8922B504}"/>
+              </a:ext>
+            </a:extLst>
+          </p:cNvPr>
+          <p:cNvPicPr>
+            <a:picLocks noChangeAspect="1"/>
+          </p:cNvPicPr>
+          <p:nvPr/>
+        </p:nvPicPr>
+        <p:blipFill>
+          <a:blip r:embed="rId2"/>
+          <a:stretch>
+            <a:fillRect/>
+          </a:stretch>
+        </p:blipFill>
+        <p:spPr>
+          <a:xfrm>
+            <a:off x="1082637" y="2765176"/>
+            <a:ext cx="6743700" cy="2847975"/>
+          </a:xfrm>
+          <a:prstGeom prst="rect">
+            <a:avLst/>
+          </a:prstGeom>
+        </p:spPr>
+      </p:pic>
     </p:spTree>
     <p:extLst>
       <p:ext uri="{BB962C8B-B14F-4D97-AF65-F5344CB8AC3E}">
